--- a/Miscellaneous/WritingStyle/IntelligentInfoDissemination.pptx
+++ b/Miscellaneous/WritingStyle/IntelligentInfoDissemination.pptx
@@ -264,7 +264,7 @@
           <a:p>
             <a:fld id="{3CA61830-C416-483F-955E-54203C65B711}" type="datetimeFigureOut">
               <a:rPr lang="en-US"/>
-              <a:t>7/7/23</a:t>
+              <a:t>8/14/24</a:t>
             </a:fld>
             <a:endParaRPr/>
           </a:p>
@@ -40388,7 +40388,15 @@
             </a:r>
             <a:r>
               <a:rPr lang="en-US" dirty="0"/>
-              <a:t>Consistency	=	Structured style based in DITA and minimalism</a:t>
+              <a:t>Consistency	=	Structured style based in </a:t>
+            </a:r>
+            <a:r>
+              <a:rPr lang="en-US"/>
+              <a:t>DITA + </a:t>
+            </a:r>
+            <a:r>
+              <a:rPr lang="en-US" dirty="0"/>
+              <a:t>minimalism and normalized content</a:t>
             </a:r>
           </a:p>
           <a:p>
@@ -40410,7 +40418,7 @@
             </a:r>
             <a:r>
               <a:rPr lang="en-US" dirty="0"/>
-              <a:t>Chunking	=	Topic segments and normalized text</a:t>
+              <a:t>Chunking	=	Practical topic segments</a:t>
             </a:r>
           </a:p>
           <a:p>
@@ -42953,6 +42961,22 @@
 </file>
 
 <file path=customXml/item2.xml><?xml version="1.0" encoding="utf-8"?>
+<p:properties xmlns:p="http://schemas.microsoft.com/office/2006/metadata/properties" xmlns:xsi="http://www.w3.org/2001/XMLSchema-instance" xmlns:pc="http://schemas.microsoft.com/office/infopath/2007/PartnerControls">
+  <documentManagement>
+    <Group xmlns="1b1944a6-0a8d-4970-b6a1-812f6f244348"/>
+    <File_x0020_Status xmlns="1b1944a6-0a8d-4970-b6a1-812f6f244348" xsi:nil="true"/>
+    <Category xmlns="1b1944a6-0a8d-4970-b6a1-812f6f244348"/>
+    <Hot xmlns="1b1944a6-0a8d-4970-b6a1-812f6f244348"/>
+    <Flag xmlns="1b1944a6-0a8d-4970-b6a1-812f6f244348" xsi:nil="true"/>
+    <Region xmlns="1b1944a6-0a8d-4970-b6a1-812f6f244348"/>
+    <Special xmlns="1b1944a6-0a8d-4970-b6a1-812f6f244348" xsi:nil="true"/>
+    <BU xmlns="1b1944a6-0a8d-4970-b6a1-812f6f244348"/>
+    <Document_x0020_Group xmlns="1b1944a6-0a8d-4970-b6a1-812f6f244348" xsi:nil="true"/>
+  </documentManagement>
+</p:properties>
+</file>
+
+<file path=customXml/item3.xml><?xml version="1.0" encoding="utf-8"?>
 <ct:contentTypeSchema xmlns:ct="http://schemas.microsoft.com/office/2006/metadata/contentType" xmlns:ma="http://schemas.microsoft.com/office/2006/metadata/properties/metaAttributes" ct:_="" ma:_="" ma:contentTypeName="Document" ma:contentTypeID="0x010100CE1CCB67FC24E04890E699DD467EB7DA" ma:contentTypeVersion="20" ma:contentTypeDescription="Create a new document." ma:contentTypeScope="" ma:versionID="0a2f924a36c4e70ad678e68af9669bca">
   <xsd:schema xmlns:xsd="http://www.w3.org/2001/XMLSchema" xmlns:p="http://schemas.microsoft.com/office/2006/metadata/properties" xmlns:ns2="1b1944a6-0a8d-4970-b6a1-812f6f244348" targetNamespace="http://schemas.microsoft.com/office/2006/metadata/properties" ma:root="true" ma:fieldsID="6cbb88c15f0fd7e6e73bd59b7861e5ef" ns2:_="">
     <xsd:import namespace="1b1944a6-0a8d-4970-b6a1-812f6f244348"/>
@@ -43160,22 +43184,6 @@
 </ct:contentTypeSchema>
 </file>
 
-<file path=customXml/item3.xml><?xml version="1.0" encoding="utf-8"?>
-<p:properties xmlns:p="http://schemas.microsoft.com/office/2006/metadata/properties" xmlns:xsi="http://www.w3.org/2001/XMLSchema-instance" xmlns:pc="http://schemas.microsoft.com/office/infopath/2007/PartnerControls">
-  <documentManagement>
-    <Group xmlns="1b1944a6-0a8d-4970-b6a1-812f6f244348"/>
-    <File_x0020_Status xmlns="1b1944a6-0a8d-4970-b6a1-812f6f244348" xsi:nil="true"/>
-    <Category xmlns="1b1944a6-0a8d-4970-b6a1-812f6f244348"/>
-    <Hot xmlns="1b1944a6-0a8d-4970-b6a1-812f6f244348"/>
-    <Flag xmlns="1b1944a6-0a8d-4970-b6a1-812f6f244348" xsi:nil="true"/>
-    <Region xmlns="1b1944a6-0a8d-4970-b6a1-812f6f244348"/>
-    <Special xmlns="1b1944a6-0a8d-4970-b6a1-812f6f244348" xsi:nil="true"/>
-    <BU xmlns="1b1944a6-0a8d-4970-b6a1-812f6f244348"/>
-    <Document_x0020_Group xmlns="1b1944a6-0a8d-4970-b6a1-812f6f244348" xsi:nil="true"/>
-  </documentManagement>
-</p:properties>
-</file>
-
 <file path=customXml/itemProps1.xml><?xml version="1.0" encoding="utf-8"?>
 <ds:datastoreItem xmlns:ds="http://schemas.openxmlformats.org/officeDocument/2006/customXml" ds:itemID="{2D3DB1D7-CC17-4AD7-A4AB-B1E64D7E6763}">
   <ds:schemaRefs>
@@ -43185,6 +43193,22 @@
 </file>
 
 <file path=customXml/itemProps2.xml><?xml version="1.0" encoding="utf-8"?>
+<ds:datastoreItem xmlns:ds="http://schemas.openxmlformats.org/officeDocument/2006/customXml" ds:itemID="{76965E72-899E-4943-B1FD-6F32CA0DCB04}">
+  <ds:schemaRefs>
+    <ds:schemaRef ds:uri="http://schemas.microsoft.com/office/2006/documentManagement/types"/>
+    <ds:schemaRef ds:uri="http://purl.org/dc/elements/1.1/"/>
+    <ds:schemaRef ds:uri="http://purl.org/dc/terms/"/>
+    <ds:schemaRef ds:uri="http://schemas.openxmlformats.org/package/2006/metadata/core-properties"/>
+    <ds:schemaRef ds:uri="http://schemas.microsoft.com/office/2006/metadata/properties"/>
+    <ds:schemaRef ds:uri="http://www.w3.org/XML/1998/namespace"/>
+    <ds:schemaRef ds:uri="1b1944a6-0a8d-4970-b6a1-812f6f244348"/>
+    <ds:schemaRef ds:uri="http://purl.org/dc/dcmitype/"/>
+    <ds:schemaRef ds:uri="http://schemas.microsoft.com/office/infopath/2007/PartnerControls"/>
+  </ds:schemaRefs>
+</ds:datastoreItem>
+</file>
+
+<file path=customXml/itemProps3.xml><?xml version="1.0" encoding="utf-8"?>
 <ds:datastoreItem xmlns:ds="http://schemas.openxmlformats.org/officeDocument/2006/customXml" ds:itemID="{A3427255-AA35-44D0-A3C7-8DA283B5462D}">
   <ds:schemaRefs>
     <ds:schemaRef ds:uri="http://schemas.microsoft.com/office/2006/metadata/contentType"/>
@@ -43199,20 +43223,4 @@
     <ds:schemaRef ds:uri="http://schemas.microsoft.com/office/internal/2005/internalDocumentation"/>
   </ds:schemaRefs>
 </ds:datastoreItem>
-</file>
-
-<file path=customXml/itemProps3.xml><?xml version="1.0" encoding="utf-8"?>
-<ds:datastoreItem xmlns:ds="http://schemas.openxmlformats.org/officeDocument/2006/customXml" ds:itemID="{76965E72-899E-4943-B1FD-6F32CA0DCB04}">
-  <ds:schemaRefs>
-    <ds:schemaRef ds:uri="http://schemas.microsoft.com/office/2006/documentManagement/types"/>
-    <ds:schemaRef ds:uri="http://purl.org/dc/elements/1.1/"/>
-    <ds:schemaRef ds:uri="http://purl.org/dc/terms/"/>
-    <ds:schemaRef ds:uri="http://schemas.openxmlformats.org/package/2006/metadata/core-properties"/>
-    <ds:schemaRef ds:uri="http://schemas.microsoft.com/office/2006/metadata/properties"/>
-    <ds:schemaRef ds:uri="http://www.w3.org/XML/1998/namespace"/>
-    <ds:schemaRef ds:uri="1b1944a6-0a8d-4970-b6a1-812f6f244348"/>
-    <ds:schemaRef ds:uri="http://purl.org/dc/dcmitype/"/>
-    <ds:schemaRef ds:uri="http://schemas.microsoft.com/office/infopath/2007/PartnerControls"/>
-  </ds:schemaRefs>
-</ds:datastoreItem>
 </file>